--- a/TrailMaps.pptx
+++ b/TrailMaps.pptx
@@ -5,16 +5,15 @@
     <p:sldMasterId id="2147483648" r:id="rId4"/>
   </p:sldMasterIdLst>
   <p:notesMasterIdLst>
-    <p:notesMasterId r:id="rId9"/>
+    <p:notesMasterId r:id="rId8"/>
   </p:notesMasterIdLst>
   <p:handoutMasterIdLst>
-    <p:handoutMasterId r:id="rId10"/>
+    <p:handoutMasterId r:id="rId9"/>
   </p:handoutMasterIdLst>
   <p:sldIdLst>
     <p:sldId id="256" r:id="rId5"/>
     <p:sldId id="364" r:id="rId6"/>
     <p:sldId id="363" r:id="rId7"/>
-    <p:sldId id="365" r:id="rId8"/>
   </p:sldIdLst>
   <p:sldSz cx="9144000" cy="5143500" type="screen16x9"/>
   <p:notesSz cx="7023100" cy="9309100"/>
@@ -2960,7 +2959,7 @@
         <p:spPr>
           <a:xfrm>
             <a:off x="585457" y="1279447"/>
-            <a:ext cx="5843263" cy="1754326"/>
+            <a:ext cx="5843263" cy="1477328"/>
           </a:xfrm>
           <a:prstGeom prst="rect">
             <a:avLst/>
@@ -2982,7 +2981,7 @@
                   <a:schemeClr val="bg1"/>
                 </a:solidFill>
               </a:rPr>
-              <a:t>Review QGIS Setup</a:t>
+              <a:t>Review software (QGIS and Visual Studio Code)</a:t>
             </a:r>
           </a:p>
           <a:p>
@@ -3010,7 +3009,7 @@
                   <a:schemeClr val="bg1"/>
                 </a:solidFill>
               </a:rPr>
-              <a:t>Edit / add features to our trail data</a:t>
+              <a:t>Edit / add features to a trail</a:t>
             </a:r>
           </a:p>
           <a:p>
@@ -3038,35 +3037,8 @@
                   <a:schemeClr val="bg1"/>
                 </a:solidFill>
               </a:rPr>
-              <a:t>Review Visual Studio Code</a:t>
-            </a:r>
-          </a:p>
-          <a:p>
-            <a:pPr marL="285750" indent="-285750">
-              <a:buFont typeface="Arial" panose="020B0604020202020204" pitchFamily="34" charset="0"/>
-              <a:buChar char="•"/>
-            </a:pPr>
-            <a:r>
-              <a:rPr lang="en-US" dirty="0">
-                <a:solidFill>
-                  <a:schemeClr val="bg1"/>
-                </a:solidFill>
-              </a:rPr>
-              <a:t>Build a map to display our </a:t>
-            </a:r>
-            <a:r>
-              <a:rPr lang="en-US">
-                <a:solidFill>
-                  <a:schemeClr val="bg1"/>
-                </a:solidFill>
-              </a:rPr>
-              <a:t>trail data</a:t>
-            </a:r>
-            <a:endParaRPr lang="en-US" dirty="0">
-              <a:solidFill>
-                <a:schemeClr val="bg1"/>
-              </a:solidFill>
-            </a:endParaRPr>
+              <a:t>Build a map to display our trails</a:t>
+            </a:r>
           </a:p>
         </p:txBody>
       </p:sp>
@@ -3140,7 +3112,7 @@
           <a:p>
             <a:r>
               <a:rPr lang="en-US" dirty="0"/>
-              <a:t>Github / Twitter</a:t>
+              <a:t>Demo Github / Twitter</a:t>
             </a:r>
           </a:p>
         </p:txBody>
@@ -3236,156 +3208,6 @@
     </mc:Choice>
     <mc:Fallback>
       <p:transition/>
-    </mc:Fallback>
-  </mc:AlternateContent>
-</p:sld>
-</file>
-
-<file path=ppt/slides/slide4.xml><?xml version="1.0" encoding="utf-8"?>
-<p:sld xmlns:a="http://schemas.openxmlformats.org/drawingml/2006/main" xmlns:r="http://schemas.openxmlformats.org/officeDocument/2006/relationships" xmlns:p="http://schemas.openxmlformats.org/presentationml/2006/main">
-  <p:cSld>
-    <p:spTree>
-      <p:nvGrpSpPr>
-        <p:cNvPr id="1" name=""/>
-        <p:cNvGrpSpPr/>
-        <p:nvPr/>
-      </p:nvGrpSpPr>
-      <p:grpSpPr>
-        <a:xfrm>
-          <a:off x="0" y="0"/>
-          <a:ext cx="0" cy="0"/>
-          <a:chOff x="0" y="0"/>
-          <a:chExt cx="0" cy="0"/>
-        </a:xfrm>
-      </p:grpSpPr>
-      <p:sp>
-        <p:nvSpPr>
-          <p:cNvPr id="3" name="Title 2">
-            <a:extLst>
-              <a:ext uri="{FF2B5EF4-FFF2-40B4-BE49-F238E27FC236}">
-                <a16:creationId xmlns:a16="http://schemas.microsoft.com/office/drawing/2014/main" id="{B1D08959-15BD-4433-A17E-D2F18D56FF29}"/>
-              </a:ext>
-            </a:extLst>
-          </p:cNvPr>
-          <p:cNvSpPr>
-            <a:spLocks noGrp="1"/>
-          </p:cNvSpPr>
-          <p:nvPr>
-            <p:ph type="title"/>
-          </p:nvPr>
-        </p:nvSpPr>
-        <p:spPr>
-          <a:xfrm>
-            <a:off x="585458" y="509834"/>
-            <a:ext cx="8076315" cy="487199"/>
-          </a:xfrm>
-        </p:spPr>
-        <p:txBody>
-          <a:bodyPr/>
-          <a:lstStyle/>
-          <a:p>
-            <a:r>
-              <a:rPr lang="en-US" dirty="0"/>
-              <a:t>Github / Twitter</a:t>
-            </a:r>
-          </a:p>
-        </p:txBody>
-      </p:sp>
-      <p:sp>
-        <p:nvSpPr>
-          <p:cNvPr id="2" name="Rectangle 1">
-            <a:extLst>
-              <a:ext uri="{FF2B5EF4-FFF2-40B4-BE49-F238E27FC236}">
-                <a16:creationId xmlns:a16="http://schemas.microsoft.com/office/drawing/2014/main" id="{0587F5FD-4A6A-47D2-8BD6-E2347D2D8196}"/>
-              </a:ext>
-            </a:extLst>
-          </p:cNvPr>
-          <p:cNvSpPr/>
-          <p:nvPr/>
-        </p:nvSpPr>
-        <p:spPr>
-          <a:xfrm>
-            <a:off x="585457" y="1279447"/>
-            <a:ext cx="5843263" cy="646331"/>
-          </a:xfrm>
-          <a:prstGeom prst="rect">
-            <a:avLst/>
-          </a:prstGeom>
-        </p:spPr>
-        <p:txBody>
-          <a:bodyPr wrap="square">
-            <a:spAutoFit/>
-          </a:bodyPr>
-          <a:lstStyle/>
-          <a:p>
-            <a:pPr marL="285750" indent="-285750">
-              <a:buFont typeface="Arial" panose="020B0604020202020204" pitchFamily="34" charset="0"/>
-              <a:buChar char="•"/>
-            </a:pPr>
-            <a:r>
-              <a:rPr lang="en-US" dirty="0">
-                <a:solidFill>
-                  <a:schemeClr val="bg1"/>
-                </a:solidFill>
-                <a:hlinkClick r:id="rId2"/>
-              </a:rPr>
-              <a:t>https://github.com/jimlawruk/geodev2019</a:t>
-            </a:r>
-            <a:endParaRPr lang="en-US" dirty="0">
-              <a:solidFill>
-                <a:schemeClr val="bg1"/>
-              </a:solidFill>
-            </a:endParaRPr>
-          </a:p>
-          <a:p>
-            <a:pPr marL="285750" indent="-285750">
-              <a:buFont typeface="Arial" panose="020B0604020202020204" pitchFamily="34" charset="0"/>
-              <a:buChar char="•"/>
-            </a:pPr>
-            <a:r>
-              <a:rPr lang="en-US" b="1" dirty="0">
-                <a:solidFill>
-                  <a:schemeClr val="bg1"/>
-                </a:solidFill>
-              </a:rPr>
-              <a:t>@</a:t>
-            </a:r>
-            <a:r>
-              <a:rPr lang="en-US" b="1" dirty="0" err="1">
-                <a:solidFill>
-                  <a:schemeClr val="bg1"/>
-                </a:solidFill>
-              </a:rPr>
-              <a:t>jimlawruk</a:t>
-            </a:r>
-            <a:endParaRPr lang="en-US" dirty="0">
-              <a:solidFill>
-                <a:schemeClr val="bg1"/>
-              </a:solidFill>
-            </a:endParaRPr>
-          </a:p>
-        </p:txBody>
-      </p:sp>
-    </p:spTree>
-    <p:extLst>
-      <p:ext uri="{BB962C8B-B14F-4D97-AF65-F5344CB8AC3E}">
-        <p14:creationId xmlns:p14="http://schemas.microsoft.com/office/powerpoint/2010/main" val="2953971344"/>
-      </p:ext>
-    </p:extLst>
-  </p:cSld>
-  <p:clrMapOvr>
-    <a:masterClrMapping/>
-  </p:clrMapOvr>
-  <mc:AlternateContent xmlns:mc="http://schemas.openxmlformats.org/markup-compatibility/2006" xmlns:p14="http://schemas.microsoft.com/office/powerpoint/2010/main">
-    <mc:Choice Requires="p14">
-      <p:transition spd="med" p14:dur="700">
-        <p:fade/>
-      </p:transition>
-    </mc:Choice>
-    <mc:Fallback xmlns="">
-      <p:transition spd="med">
-        <p:fade/>
-      </p:transition>
     </mc:Fallback>
   </mc:AlternateContent>
 </p:sld>
